--- a/divas_brain_presentation.pptx
+++ b/divas_brain_presentation.pptx
@@ -2,12 +2,16 @@
 <file path=ppt/presentation.xml><?xml version="1.0" encoding="utf-8"?>
 <p:presentation xmlns:a="http://schemas.openxmlformats.org/drawingml/2006/main" xmlns:r="http://schemas.openxmlformats.org/officeDocument/2006/relationships" xmlns:p="http://schemas.openxmlformats.org/presentationml/2006/main" autoCompressPictures="0">
   <p:sldMasterIdLst>
-    <p:sldMasterId id="2147483876" r:id="rId1"/>
+    <p:sldMasterId id="2147483984" r:id="rId1"/>
   </p:sldMasterIdLst>
   <p:sldIdLst>
     <p:sldId id="256" r:id="rId2"/>
     <p:sldId id="257" r:id="rId3"/>
-    <p:sldId id="258" r:id="rId4"/>
+    <p:sldId id="260" r:id="rId4"/>
+    <p:sldId id="258" r:id="rId5"/>
+    <p:sldId id="261" r:id="rId6"/>
+    <p:sldId id="259" r:id="rId7"/>
+    <p:sldId id="262" r:id="rId8"/>
   </p:sldIdLst>
   <p:sldSz cx="12192000" cy="6858000"/>
   <p:notesSz cx="6858000" cy="9144000"/>
@@ -340,7 +344,7 @@
     </p:spTree>
     <p:extLst>
       <p:ext uri="{BB962C8B-B14F-4D97-AF65-F5344CB8AC3E}">
-        <p14:creationId xmlns:p14="http://schemas.microsoft.com/office/powerpoint/2010/main" val="415741431"/>
+        <p14:creationId xmlns:p14="http://schemas.microsoft.com/office/powerpoint/2010/main" val="531800983"/>
       </p:ext>
     </p:extLst>
   </p:cSld>
@@ -598,7 +602,7 @@
     </p:spTree>
     <p:extLst>
       <p:ext uri="{BB962C8B-B14F-4D97-AF65-F5344CB8AC3E}">
-        <p14:creationId xmlns:p14="http://schemas.microsoft.com/office/powerpoint/2010/main" val="2068626993"/>
+        <p14:creationId xmlns:p14="http://schemas.microsoft.com/office/powerpoint/2010/main" val="509076819"/>
       </p:ext>
     </p:extLst>
   </p:cSld>
@@ -841,7 +845,7 @@
     </p:spTree>
     <p:extLst>
       <p:ext uri="{BB962C8B-B14F-4D97-AF65-F5344CB8AC3E}">
-        <p14:creationId xmlns:p14="http://schemas.microsoft.com/office/powerpoint/2010/main" val="1531270765"/>
+        <p14:creationId xmlns:p14="http://schemas.microsoft.com/office/powerpoint/2010/main" val="757091965"/>
       </p:ext>
     </p:extLst>
   </p:cSld>
@@ -1385,7 +1389,7 @@
     </p:spTree>
     <p:extLst>
       <p:ext uri="{BB962C8B-B14F-4D97-AF65-F5344CB8AC3E}">
-        <p14:creationId xmlns:p14="http://schemas.microsoft.com/office/powerpoint/2010/main" val="3907536951"/>
+        <p14:creationId xmlns:p14="http://schemas.microsoft.com/office/powerpoint/2010/main" val="2636931256"/>
       </p:ext>
     </p:extLst>
   </p:cSld>
@@ -1628,7 +1632,7 @@
     </p:spTree>
     <p:extLst>
       <p:ext uri="{BB962C8B-B14F-4D97-AF65-F5344CB8AC3E}">
-        <p14:creationId xmlns:p14="http://schemas.microsoft.com/office/powerpoint/2010/main" val="3054174119"/>
+        <p14:creationId xmlns:p14="http://schemas.microsoft.com/office/powerpoint/2010/main" val="2221314576"/>
       </p:ext>
     </p:extLst>
   </p:cSld>
@@ -2167,7 +2171,7 @@
     </p:spTree>
     <p:extLst>
       <p:ext uri="{BB962C8B-B14F-4D97-AF65-F5344CB8AC3E}">
-        <p14:creationId xmlns:p14="http://schemas.microsoft.com/office/powerpoint/2010/main" val="3495018420"/>
+        <p14:creationId xmlns:p14="http://schemas.microsoft.com/office/powerpoint/2010/main" val="1918145109"/>
       </p:ext>
     </p:extLst>
   </p:cSld>
@@ -2943,7 +2947,7 @@
     </p:spTree>
     <p:extLst>
       <p:ext uri="{BB962C8B-B14F-4D97-AF65-F5344CB8AC3E}">
-        <p14:creationId xmlns:p14="http://schemas.microsoft.com/office/powerpoint/2010/main" val="1716224354"/>
+        <p14:creationId xmlns:p14="http://schemas.microsoft.com/office/powerpoint/2010/main" val="3577578328"/>
       </p:ext>
     </p:extLst>
   </p:cSld>
@@ -3120,7 +3124,7 @@
     </p:spTree>
     <p:extLst>
       <p:ext uri="{BB962C8B-B14F-4D97-AF65-F5344CB8AC3E}">
-        <p14:creationId xmlns:p14="http://schemas.microsoft.com/office/powerpoint/2010/main" val="2596408031"/>
+        <p14:creationId xmlns:p14="http://schemas.microsoft.com/office/powerpoint/2010/main" val="3670575084"/>
       </p:ext>
     </p:extLst>
   </p:cSld>
@@ -3355,7 +3359,7 @@
     </p:spTree>
     <p:extLst>
       <p:ext uri="{BB962C8B-B14F-4D97-AF65-F5344CB8AC3E}">
-        <p14:creationId xmlns:p14="http://schemas.microsoft.com/office/powerpoint/2010/main" val="3523434078"/>
+        <p14:creationId xmlns:p14="http://schemas.microsoft.com/office/powerpoint/2010/main" val="1630885615"/>
       </p:ext>
     </p:extLst>
   </p:cSld>
@@ -3527,7 +3531,7 @@
     </p:spTree>
     <p:extLst>
       <p:ext uri="{BB962C8B-B14F-4D97-AF65-F5344CB8AC3E}">
-        <p14:creationId xmlns:p14="http://schemas.microsoft.com/office/powerpoint/2010/main" val="3255767904"/>
+        <p14:creationId xmlns:p14="http://schemas.microsoft.com/office/powerpoint/2010/main" val="3740664894"/>
       </p:ext>
     </p:extLst>
   </p:cSld>
@@ -3827,7 +3831,7 @@
     </p:spTree>
     <p:extLst>
       <p:ext uri="{BB962C8B-B14F-4D97-AF65-F5344CB8AC3E}">
-        <p14:creationId xmlns:p14="http://schemas.microsoft.com/office/powerpoint/2010/main" val="2385667677"/>
+        <p14:creationId xmlns:p14="http://schemas.microsoft.com/office/powerpoint/2010/main" val="3272781351"/>
       </p:ext>
     </p:extLst>
   </p:cSld>
@@ -4060,7 +4064,7 @@
     </p:spTree>
     <p:extLst>
       <p:ext uri="{BB962C8B-B14F-4D97-AF65-F5344CB8AC3E}">
-        <p14:creationId xmlns:p14="http://schemas.microsoft.com/office/powerpoint/2010/main" val="356476692"/>
+        <p14:creationId xmlns:p14="http://schemas.microsoft.com/office/powerpoint/2010/main" val="1512044353"/>
       </p:ext>
     </p:extLst>
   </p:cSld>
@@ -4441,7 +4445,7 @@
     </p:spTree>
     <p:extLst>
       <p:ext uri="{BB962C8B-B14F-4D97-AF65-F5344CB8AC3E}">
-        <p14:creationId xmlns:p14="http://schemas.microsoft.com/office/powerpoint/2010/main" val="1220559380"/>
+        <p14:creationId xmlns:p14="http://schemas.microsoft.com/office/powerpoint/2010/main" val="3710164205"/>
       </p:ext>
     </p:extLst>
   </p:cSld>
@@ -4560,7 +4564,7 @@
     </p:spTree>
     <p:extLst>
       <p:ext uri="{BB962C8B-B14F-4D97-AF65-F5344CB8AC3E}">
-        <p14:creationId xmlns:p14="http://schemas.microsoft.com/office/powerpoint/2010/main" val="2106544538"/>
+        <p14:creationId xmlns:p14="http://schemas.microsoft.com/office/powerpoint/2010/main" val="480564102"/>
       </p:ext>
     </p:extLst>
   </p:cSld>
@@ -4655,7 +4659,7 @@
     </p:spTree>
     <p:extLst>
       <p:ext uri="{BB962C8B-B14F-4D97-AF65-F5344CB8AC3E}">
-        <p14:creationId xmlns:p14="http://schemas.microsoft.com/office/powerpoint/2010/main" val="667660884"/>
+        <p14:creationId xmlns:p14="http://schemas.microsoft.com/office/powerpoint/2010/main" val="3661993240"/>
       </p:ext>
     </p:extLst>
   </p:cSld>
@@ -4905,7 +4909,7 @@
     </p:spTree>
     <p:extLst>
       <p:ext uri="{BB962C8B-B14F-4D97-AF65-F5344CB8AC3E}">
-        <p14:creationId xmlns:p14="http://schemas.microsoft.com/office/powerpoint/2010/main" val="1609676674"/>
+        <p14:creationId xmlns:p14="http://schemas.microsoft.com/office/powerpoint/2010/main" val="2676899633"/>
       </p:ext>
     </p:extLst>
   </p:cSld>
@@ -5164,7 +5168,7 @@
     </p:spTree>
     <p:extLst>
       <p:ext uri="{BB962C8B-B14F-4D97-AF65-F5344CB8AC3E}">
-        <p14:creationId xmlns:p14="http://schemas.microsoft.com/office/powerpoint/2010/main" val="4146437120"/>
+        <p14:creationId xmlns:p14="http://schemas.microsoft.com/office/powerpoint/2010/main" val="3120238446"/>
       </p:ext>
     </p:extLst>
   </p:cSld>
@@ -5445,29 +5449,29 @@
     </p:spTree>
     <p:extLst>
       <p:ext uri="{BB962C8B-B14F-4D97-AF65-F5344CB8AC3E}">
-        <p14:creationId xmlns:p14="http://schemas.microsoft.com/office/powerpoint/2010/main" val="1288885662"/>
+        <p14:creationId xmlns:p14="http://schemas.microsoft.com/office/powerpoint/2010/main" val="4100792761"/>
       </p:ext>
     </p:extLst>
   </p:cSld>
   <p:clrMap bg1="dk1" tx1="lt1" bg2="dk2" tx2="lt2" accent1="accent1" accent2="accent2" accent3="accent3" accent4="accent4" accent5="accent5" accent6="accent6" hlink="hlink" folHlink="folHlink"/>
   <p:sldLayoutIdLst>
-    <p:sldLayoutId id="2147483877" r:id="rId1"/>
-    <p:sldLayoutId id="2147483878" r:id="rId2"/>
-    <p:sldLayoutId id="2147483879" r:id="rId3"/>
-    <p:sldLayoutId id="2147483880" r:id="rId4"/>
-    <p:sldLayoutId id="2147483881" r:id="rId5"/>
-    <p:sldLayoutId id="2147483882" r:id="rId6"/>
-    <p:sldLayoutId id="2147483883" r:id="rId7"/>
-    <p:sldLayoutId id="2147483884" r:id="rId8"/>
-    <p:sldLayoutId id="2147483885" r:id="rId9"/>
-    <p:sldLayoutId id="2147483886" r:id="rId10"/>
-    <p:sldLayoutId id="2147483887" r:id="rId11"/>
-    <p:sldLayoutId id="2147483888" r:id="rId12"/>
-    <p:sldLayoutId id="2147483889" r:id="rId13"/>
-    <p:sldLayoutId id="2147483890" r:id="rId14"/>
-    <p:sldLayoutId id="2147483891" r:id="rId15"/>
-    <p:sldLayoutId id="2147483892" r:id="rId16"/>
-    <p:sldLayoutId id="2147483893" r:id="rId17"/>
+    <p:sldLayoutId id="2147483985" r:id="rId1"/>
+    <p:sldLayoutId id="2147483986" r:id="rId2"/>
+    <p:sldLayoutId id="2147483987" r:id="rId3"/>
+    <p:sldLayoutId id="2147483988" r:id="rId4"/>
+    <p:sldLayoutId id="2147483989" r:id="rId5"/>
+    <p:sldLayoutId id="2147483990" r:id="rId6"/>
+    <p:sldLayoutId id="2147483991" r:id="rId7"/>
+    <p:sldLayoutId id="2147483992" r:id="rId8"/>
+    <p:sldLayoutId id="2147483993" r:id="rId9"/>
+    <p:sldLayoutId id="2147483994" r:id="rId10"/>
+    <p:sldLayoutId id="2147483995" r:id="rId11"/>
+    <p:sldLayoutId id="2147483996" r:id="rId12"/>
+    <p:sldLayoutId id="2147483997" r:id="rId13"/>
+    <p:sldLayoutId id="2147483998" r:id="rId14"/>
+    <p:sldLayoutId id="2147483999" r:id="rId15"/>
+    <p:sldLayoutId id="2147484000" r:id="rId16"/>
+    <p:sldLayoutId id="2147484001" r:id="rId17"/>
   </p:sldLayoutIdLst>
   <p:hf sldNum="0" hdr="0" ftr="0" dt="0"/>
   <p:txStyles>
@@ -5836,13 +5840,16 @@
           <a:p>
             <a:r>
               <a:rPr lang="en-US" dirty="0"/>
-              <a:t>Reyna, Brian, and </a:t>
+              <a:t>Reyna, </a:t>
             </a:r>
             <a:r>
               <a:rPr lang="en-US" dirty="0" err="1"/>
               <a:t>Shetu</a:t>
             </a:r>
-            <a:endParaRPr lang="en-US" dirty="0"/>
+            <a:r>
+              <a:rPr lang="en-US" dirty="0"/>
+              <a:t>, and Brian</a:t>
+            </a:r>
           </a:p>
         </p:txBody>
       </p:sp>
@@ -6026,6 +6033,89 @@
           <p:cNvPr id="2" name="Title 1">
             <a:extLst>
               <a:ext uri="{FF2B5EF4-FFF2-40B4-BE49-F238E27FC236}">
+                <a16:creationId xmlns:a16="http://schemas.microsoft.com/office/drawing/2014/main" id="{60922AFB-980F-5D41-8664-A2098FF0A630}"/>
+              </a:ext>
+            </a:extLst>
+          </p:cNvPr>
+          <p:cNvSpPr>
+            <a:spLocks noGrp="1"/>
+          </p:cNvSpPr>
+          <p:nvPr>
+            <p:ph type="title"/>
+          </p:nvPr>
+        </p:nvSpPr>
+        <p:spPr/>
+        <p:txBody>
+          <a:bodyPr/>
+          <a:lstStyle/>
+          <a:p>
+            <a:r>
+              <a:rPr lang="en-US" dirty="0"/>
+              <a:t>code: data cleanup &amp; merge</a:t>
+            </a:r>
+          </a:p>
+        </p:txBody>
+      </p:sp>
+      <p:sp>
+        <p:nvSpPr>
+          <p:cNvPr id="3" name="Content Placeholder 2">
+            <a:extLst>
+              <a:ext uri="{FF2B5EF4-FFF2-40B4-BE49-F238E27FC236}">
+                <a16:creationId xmlns:a16="http://schemas.microsoft.com/office/drawing/2014/main" id="{ECC462F0-AE0E-5641-A53E-62AEE26AA24D}"/>
+              </a:ext>
+            </a:extLst>
+          </p:cNvPr>
+          <p:cNvSpPr>
+            <a:spLocks noGrp="1"/>
+          </p:cNvSpPr>
+          <p:nvPr>
+            <p:ph idx="1"/>
+          </p:nvPr>
+        </p:nvSpPr>
+        <p:spPr/>
+        <p:txBody>
+          <a:bodyPr/>
+          <a:lstStyle/>
+          <a:p>
+            <a:endParaRPr lang="en-US"/>
+          </a:p>
+        </p:txBody>
+      </p:sp>
+    </p:spTree>
+    <p:extLst>
+      <p:ext uri="{BB962C8B-B14F-4D97-AF65-F5344CB8AC3E}">
+        <p14:creationId xmlns:p14="http://schemas.microsoft.com/office/powerpoint/2010/main" val="727640138"/>
+      </p:ext>
+    </p:extLst>
+  </p:cSld>
+  <p:clrMapOvr>
+    <a:masterClrMapping/>
+  </p:clrMapOvr>
+</p:sld>
+</file>
+
+<file path=ppt/slides/slide4.xml><?xml version="1.0" encoding="utf-8"?>
+<p:sld xmlns:a="http://schemas.openxmlformats.org/drawingml/2006/main" xmlns:r="http://schemas.openxmlformats.org/officeDocument/2006/relationships" xmlns:p="http://schemas.openxmlformats.org/presentationml/2006/main">
+  <p:cSld>
+    <p:spTree>
+      <p:nvGrpSpPr>
+        <p:cNvPr id="1" name=""/>
+        <p:cNvGrpSpPr/>
+        <p:nvPr/>
+      </p:nvGrpSpPr>
+      <p:grpSpPr>
+        <a:xfrm>
+          <a:off x="0" y="0"/>
+          <a:ext cx="0" cy="0"/>
+          <a:chOff x="0" y="0"/>
+          <a:chExt cx="0" cy="0"/>
+        </a:xfrm>
+      </p:grpSpPr>
+      <p:sp>
+        <p:nvSpPr>
+          <p:cNvPr id="2" name="Title 1">
+            <a:extLst>
+              <a:ext uri="{FF2B5EF4-FFF2-40B4-BE49-F238E27FC236}">
                 <a16:creationId xmlns:a16="http://schemas.microsoft.com/office/drawing/2014/main" id="{8196EDDE-6E4B-9145-9421-C0ACD1392F4E}"/>
               </a:ext>
             </a:extLst>
@@ -6072,19 +6162,6 @@
           <a:p>
             <a:r>
               <a:rPr lang="en-US" dirty="0"/>
-              <a:t>Get data on different types of restaurant in each zip code</a:t>
-            </a:r>
-          </a:p>
-          <a:p>
-            <a:pPr lvl="1"/>
-            <a:r>
-              <a:rPr lang="en-US" dirty="0"/>
-              <a:t>Mexican, Chinese, Fast Food</a:t>
-            </a:r>
-          </a:p>
-          <a:p>
-            <a:r>
-              <a:rPr lang="en-US" dirty="0"/>
               <a:t>Yelp Fusion API</a:t>
             </a:r>
           </a:p>
@@ -6099,7 +6176,13 @@
             <a:pPr lvl="1"/>
             <a:r>
               <a:rPr lang="en-US" dirty="0"/>
-              <a:t>Sliced data into 5 samples of 250 records</a:t>
+              <a:t>Limited to 50 results per page</a:t>
+            </a:r>
+          </a:p>
+          <a:p>
+            <a:r>
+              <a:rPr lang="en-US" dirty="0"/>
+              <a:t>Sliced data into 5 random samples of 250 records</a:t>
             </a:r>
           </a:p>
           <a:p>
@@ -6108,6 +6191,17 @@
               <a:rPr lang="en-US" dirty="0"/>
               <a:t>Nested “for” loops to query Yelp for each zip code</a:t>
             </a:r>
+          </a:p>
+          <a:p>
+            <a:pPr lvl="1"/>
+            <a:r>
+              <a:rPr lang="en-US" dirty="0"/>
+              <a:t>Gather data by type: Mexican, Chinese, Fast Food</a:t>
+            </a:r>
+          </a:p>
+          <a:p>
+            <a:pPr lvl="1"/>
+            <a:endParaRPr lang="en-US" dirty="0"/>
           </a:p>
         </p:txBody>
       </p:sp>
@@ -6145,6 +6239,288 @@
     <p:extLst>
       <p:ext uri="{BB962C8B-B14F-4D97-AF65-F5344CB8AC3E}">
         <p14:creationId xmlns:p14="http://schemas.microsoft.com/office/powerpoint/2010/main" val="3738606038"/>
+      </p:ext>
+    </p:extLst>
+  </p:cSld>
+  <p:clrMapOvr>
+    <a:masterClrMapping/>
+  </p:clrMapOvr>
+</p:sld>
+</file>
+
+<file path=ppt/slides/slide5.xml><?xml version="1.0" encoding="utf-8"?>
+<p:sld xmlns:a="http://schemas.openxmlformats.org/drawingml/2006/main" xmlns:r="http://schemas.openxmlformats.org/officeDocument/2006/relationships" xmlns:p="http://schemas.openxmlformats.org/presentationml/2006/main">
+  <p:cSld>
+    <p:spTree>
+      <p:nvGrpSpPr>
+        <p:cNvPr id="1" name=""/>
+        <p:cNvGrpSpPr/>
+        <p:nvPr/>
+      </p:nvGrpSpPr>
+      <p:grpSpPr>
+        <a:xfrm>
+          <a:off x="0" y="0"/>
+          <a:ext cx="0" cy="0"/>
+          <a:chOff x="0" y="0"/>
+          <a:chExt cx="0" cy="0"/>
+        </a:xfrm>
+      </p:grpSpPr>
+      <p:sp>
+        <p:nvSpPr>
+          <p:cNvPr id="2" name="Title 1">
+            <a:extLst>
+              <a:ext uri="{FF2B5EF4-FFF2-40B4-BE49-F238E27FC236}">
+                <a16:creationId xmlns:a16="http://schemas.microsoft.com/office/drawing/2014/main" id="{DF503456-F785-EF41-8649-BE1D4A8C2644}"/>
+              </a:ext>
+            </a:extLst>
+          </p:cNvPr>
+          <p:cNvSpPr>
+            <a:spLocks noGrp="1"/>
+          </p:cNvSpPr>
+          <p:nvPr>
+            <p:ph type="title"/>
+          </p:nvPr>
+        </p:nvSpPr>
+        <p:spPr/>
+        <p:txBody>
+          <a:bodyPr/>
+          <a:lstStyle/>
+          <a:p>
+            <a:r>
+              <a:rPr lang="en-US" dirty="0"/>
+              <a:t>Code: API Calls</a:t>
+            </a:r>
+          </a:p>
+        </p:txBody>
+      </p:sp>
+      <p:sp>
+        <p:nvSpPr>
+          <p:cNvPr id="3" name="Content Placeholder 2">
+            <a:extLst>
+              <a:ext uri="{FF2B5EF4-FFF2-40B4-BE49-F238E27FC236}">
+                <a16:creationId xmlns:a16="http://schemas.microsoft.com/office/drawing/2014/main" id="{3CA0FA65-CDC8-A64F-81C6-659CAFF96098}"/>
+              </a:ext>
+            </a:extLst>
+          </p:cNvPr>
+          <p:cNvSpPr>
+            <a:spLocks noGrp="1"/>
+          </p:cNvSpPr>
+          <p:nvPr>
+            <p:ph idx="1"/>
+          </p:nvPr>
+        </p:nvSpPr>
+        <p:spPr/>
+        <p:txBody>
+          <a:bodyPr/>
+          <a:lstStyle/>
+          <a:p>
+            <a:endParaRPr lang="en-US"/>
+          </a:p>
+        </p:txBody>
+      </p:sp>
+    </p:spTree>
+    <p:extLst>
+      <p:ext uri="{BB962C8B-B14F-4D97-AF65-F5344CB8AC3E}">
+        <p14:creationId xmlns:p14="http://schemas.microsoft.com/office/powerpoint/2010/main" val="2878479340"/>
+      </p:ext>
+    </p:extLst>
+  </p:cSld>
+  <p:clrMapOvr>
+    <a:masterClrMapping/>
+  </p:clrMapOvr>
+</p:sld>
+</file>
+
+<file path=ppt/slides/slide6.xml><?xml version="1.0" encoding="utf-8"?>
+<p:sld xmlns:a="http://schemas.openxmlformats.org/drawingml/2006/main" xmlns:r="http://schemas.openxmlformats.org/officeDocument/2006/relationships" xmlns:p="http://schemas.openxmlformats.org/presentationml/2006/main">
+  <p:cSld>
+    <p:spTree>
+      <p:nvGrpSpPr>
+        <p:cNvPr id="1" name=""/>
+        <p:cNvGrpSpPr/>
+        <p:nvPr/>
+      </p:nvGrpSpPr>
+      <p:grpSpPr>
+        <a:xfrm>
+          <a:off x="0" y="0"/>
+          <a:ext cx="0" cy="0"/>
+          <a:chOff x="0" y="0"/>
+          <a:chExt cx="0" cy="0"/>
+        </a:xfrm>
+      </p:grpSpPr>
+      <p:sp>
+        <p:nvSpPr>
+          <p:cNvPr id="2" name="Title 1">
+            <a:extLst>
+              <a:ext uri="{FF2B5EF4-FFF2-40B4-BE49-F238E27FC236}">
+                <a16:creationId xmlns:a16="http://schemas.microsoft.com/office/drawing/2014/main" id="{7BB189D3-EEDA-C949-B9AD-B1F03177ACD1}"/>
+              </a:ext>
+            </a:extLst>
+          </p:cNvPr>
+          <p:cNvSpPr>
+            <a:spLocks noGrp="1"/>
+          </p:cNvSpPr>
+          <p:nvPr>
+            <p:ph type="title"/>
+          </p:nvPr>
+        </p:nvSpPr>
+        <p:spPr/>
+        <p:txBody>
+          <a:bodyPr/>
+          <a:lstStyle/>
+          <a:p>
+            <a:r>
+              <a:rPr lang="en-US" dirty="0"/>
+              <a:t>Hypothesis</a:t>
+            </a:r>
+          </a:p>
+        </p:txBody>
+      </p:sp>
+      <p:sp>
+        <p:nvSpPr>
+          <p:cNvPr id="3" name="Content Placeholder 2">
+            <a:extLst>
+              <a:ext uri="{FF2B5EF4-FFF2-40B4-BE49-F238E27FC236}">
+                <a16:creationId xmlns:a16="http://schemas.microsoft.com/office/drawing/2014/main" id="{10DAAA66-1E01-DD42-A871-341919DE0A2E}"/>
+              </a:ext>
+            </a:extLst>
+          </p:cNvPr>
+          <p:cNvSpPr>
+            <a:spLocks noGrp="1"/>
+          </p:cNvSpPr>
+          <p:nvPr>
+            <p:ph idx="1"/>
+          </p:nvPr>
+        </p:nvSpPr>
+        <p:spPr/>
+        <p:txBody>
+          <a:bodyPr/>
+          <a:lstStyle/>
+          <a:p>
+            <a:r>
+              <a:rPr lang="en-US" dirty="0"/>
+              <a:t>Correlation between demographics and restaurant preferences</a:t>
+            </a:r>
+          </a:p>
+          <a:p>
+            <a:endParaRPr lang="en-US" dirty="0"/>
+          </a:p>
+          <a:p>
+            <a:r>
+              <a:rPr lang="en-US" dirty="0"/>
+              <a:t>Chose 3 target restaurant types:</a:t>
+            </a:r>
+          </a:p>
+          <a:p>
+            <a:pPr lvl="1"/>
+            <a:r>
+              <a:rPr lang="en-US" dirty="0"/>
+              <a:t>Mexican (correlation with Hispanic population)</a:t>
+            </a:r>
+          </a:p>
+          <a:p>
+            <a:pPr lvl="1"/>
+            <a:r>
+              <a:rPr lang="en-US" dirty="0"/>
+              <a:t>Chinese (correlation with Asian population)</a:t>
+            </a:r>
+          </a:p>
+          <a:p>
+            <a:pPr lvl="1"/>
+            <a:r>
+              <a:rPr lang="en-US" dirty="0"/>
+              <a:t>Fast Food (correlation with income level)</a:t>
+            </a:r>
+          </a:p>
+        </p:txBody>
+      </p:sp>
+    </p:spTree>
+    <p:extLst>
+      <p:ext uri="{BB962C8B-B14F-4D97-AF65-F5344CB8AC3E}">
+        <p14:creationId xmlns:p14="http://schemas.microsoft.com/office/powerpoint/2010/main" val="4175510393"/>
+      </p:ext>
+    </p:extLst>
+  </p:cSld>
+  <p:clrMapOvr>
+    <a:masterClrMapping/>
+  </p:clrMapOvr>
+</p:sld>
+</file>
+
+<file path=ppt/slides/slide7.xml><?xml version="1.0" encoding="utf-8"?>
+<p:sld xmlns:a="http://schemas.openxmlformats.org/drawingml/2006/main" xmlns:r="http://schemas.openxmlformats.org/officeDocument/2006/relationships" xmlns:p="http://schemas.openxmlformats.org/presentationml/2006/main">
+  <p:cSld>
+    <p:spTree>
+      <p:nvGrpSpPr>
+        <p:cNvPr id="1" name=""/>
+        <p:cNvGrpSpPr/>
+        <p:nvPr/>
+      </p:nvGrpSpPr>
+      <p:grpSpPr>
+        <a:xfrm>
+          <a:off x="0" y="0"/>
+          <a:ext cx="0" cy="0"/>
+          <a:chOff x="0" y="0"/>
+          <a:chExt cx="0" cy="0"/>
+        </a:xfrm>
+      </p:grpSpPr>
+      <p:sp>
+        <p:nvSpPr>
+          <p:cNvPr id="2" name="Title 1">
+            <a:extLst>
+              <a:ext uri="{FF2B5EF4-FFF2-40B4-BE49-F238E27FC236}">
+                <a16:creationId xmlns:a16="http://schemas.microsoft.com/office/drawing/2014/main" id="{EC6B06FE-5D58-834F-8D0F-CE76EEC85AE0}"/>
+              </a:ext>
+            </a:extLst>
+          </p:cNvPr>
+          <p:cNvSpPr>
+            <a:spLocks noGrp="1"/>
+          </p:cNvSpPr>
+          <p:nvPr>
+            <p:ph type="title"/>
+          </p:nvPr>
+        </p:nvSpPr>
+        <p:spPr/>
+        <p:txBody>
+          <a:bodyPr/>
+          <a:lstStyle/>
+          <a:p>
+            <a:r>
+              <a:rPr lang="en-US" dirty="0"/>
+              <a:t>Results (Graphs)</a:t>
+            </a:r>
+          </a:p>
+        </p:txBody>
+      </p:sp>
+      <p:sp>
+        <p:nvSpPr>
+          <p:cNvPr id="3" name="Content Placeholder 2">
+            <a:extLst>
+              <a:ext uri="{FF2B5EF4-FFF2-40B4-BE49-F238E27FC236}">
+                <a16:creationId xmlns:a16="http://schemas.microsoft.com/office/drawing/2014/main" id="{8957820E-131F-644F-BC3E-1FAAF00AF614}"/>
+              </a:ext>
+            </a:extLst>
+          </p:cNvPr>
+          <p:cNvSpPr>
+            <a:spLocks noGrp="1"/>
+          </p:cNvSpPr>
+          <p:nvPr>
+            <p:ph idx="1"/>
+          </p:nvPr>
+        </p:nvSpPr>
+        <p:spPr/>
+        <p:txBody>
+          <a:bodyPr/>
+          <a:lstStyle/>
+          <a:p>
+            <a:endParaRPr lang="en-US"/>
+          </a:p>
+        </p:txBody>
+      </p:sp>
+    </p:spTree>
+    <p:extLst>
+      <p:ext uri="{BB962C8B-B14F-4D97-AF65-F5344CB8AC3E}">
+        <p14:creationId xmlns:p14="http://schemas.microsoft.com/office/powerpoint/2010/main" val="52171912"/>
       </p:ext>
     </p:extLst>
   </p:cSld>
